--- a/media/params.pptx
+++ b/media/params.pptx
@@ -288,7 +288,7 @@
           <a:p>
             <a:fld id="{FB66550A-E8B4-9C43-82D6-18329C2422C3}" type="datetimeFigureOut">
               <a:rPr lang="en-US" smtClean="0"/>
-              <a:t>11/6/16</a:t>
+              <a:t>4/12/17</a:t>
             </a:fld>
             <a:endParaRPr lang="en-US"/>
           </a:p>
@@ -458,7 +458,7 @@
           <a:p>
             <a:fld id="{FB66550A-E8B4-9C43-82D6-18329C2422C3}" type="datetimeFigureOut">
               <a:rPr lang="en-US" smtClean="0"/>
-              <a:t>11/6/16</a:t>
+              <a:t>4/12/17</a:t>
             </a:fld>
             <a:endParaRPr lang="en-US"/>
           </a:p>
@@ -638,7 +638,7 @@
           <a:p>
             <a:fld id="{FB66550A-E8B4-9C43-82D6-18329C2422C3}" type="datetimeFigureOut">
               <a:rPr lang="en-US" smtClean="0"/>
-              <a:t>11/6/16</a:t>
+              <a:t>4/12/17</a:t>
             </a:fld>
             <a:endParaRPr lang="en-US"/>
           </a:p>
@@ -808,7 +808,7 @@
           <a:p>
             <a:fld id="{FB66550A-E8B4-9C43-82D6-18329C2422C3}" type="datetimeFigureOut">
               <a:rPr lang="en-US" smtClean="0"/>
-              <a:t>11/6/16</a:t>
+              <a:t>4/12/17</a:t>
             </a:fld>
             <a:endParaRPr lang="en-US"/>
           </a:p>
@@ -1054,7 +1054,7 @@
           <a:p>
             <a:fld id="{FB66550A-E8B4-9C43-82D6-18329C2422C3}" type="datetimeFigureOut">
               <a:rPr lang="en-US" smtClean="0"/>
-              <a:t>11/6/16</a:t>
+              <a:t>4/12/17</a:t>
             </a:fld>
             <a:endParaRPr lang="en-US"/>
           </a:p>
@@ -1342,7 +1342,7 @@
           <a:p>
             <a:fld id="{FB66550A-E8B4-9C43-82D6-18329C2422C3}" type="datetimeFigureOut">
               <a:rPr lang="en-US" smtClean="0"/>
-              <a:t>11/6/16</a:t>
+              <a:t>4/12/17</a:t>
             </a:fld>
             <a:endParaRPr lang="en-US"/>
           </a:p>
@@ -1769,7 +1769,7 @@
           <a:p>
             <a:fld id="{FB66550A-E8B4-9C43-82D6-18329C2422C3}" type="datetimeFigureOut">
               <a:rPr lang="en-US" smtClean="0"/>
-              <a:t>11/6/16</a:t>
+              <a:t>4/12/17</a:t>
             </a:fld>
             <a:endParaRPr lang="en-US"/>
           </a:p>
@@ -1887,7 +1887,7 @@
           <a:p>
             <a:fld id="{FB66550A-E8B4-9C43-82D6-18329C2422C3}" type="datetimeFigureOut">
               <a:rPr lang="en-US" smtClean="0"/>
-              <a:t>11/6/16</a:t>
+              <a:t>4/12/17</a:t>
             </a:fld>
             <a:endParaRPr lang="en-US"/>
           </a:p>
@@ -1982,7 +1982,7 @@
           <a:p>
             <a:fld id="{FB66550A-E8B4-9C43-82D6-18329C2422C3}" type="datetimeFigureOut">
               <a:rPr lang="en-US" smtClean="0"/>
-              <a:t>11/6/16</a:t>
+              <a:t>4/12/17</a:t>
             </a:fld>
             <a:endParaRPr lang="en-US"/>
           </a:p>
@@ -2259,7 +2259,7 @@
           <a:p>
             <a:fld id="{FB66550A-E8B4-9C43-82D6-18329C2422C3}" type="datetimeFigureOut">
               <a:rPr lang="en-US" smtClean="0"/>
-              <a:t>11/6/16</a:t>
+              <a:t>4/12/17</a:t>
             </a:fld>
             <a:endParaRPr lang="en-US"/>
           </a:p>
@@ -2512,7 +2512,7 @@
           <a:p>
             <a:fld id="{FB66550A-E8B4-9C43-82D6-18329C2422C3}" type="datetimeFigureOut">
               <a:rPr lang="en-US" smtClean="0"/>
-              <a:t>11/6/16</a:t>
+              <a:t>4/12/17</a:t>
             </a:fld>
             <a:endParaRPr lang="en-US"/>
           </a:p>
@@ -2725,7 +2725,7 @@
           <a:p>
             <a:fld id="{FB66550A-E8B4-9C43-82D6-18329C2422C3}" type="datetimeFigureOut">
               <a:rPr lang="en-US" smtClean="0"/>
-              <a:t>11/6/16</a:t>
+              <a:t>4/12/17</a:t>
             </a:fld>
             <a:endParaRPr lang="en-US"/>
           </a:p>
@@ -3245,7 +3245,7 @@
         </p:nvGrpSpPr>
         <p:grpSpPr bwMode="auto">
           <a:xfrm flipV="1">
-            <a:off x="11430842" y="6308204"/>
+            <a:off x="11553590" y="6470754"/>
             <a:ext cx="3682450" cy="1236055"/>
             <a:chOff x="1169" y="3505"/>
             <a:chExt cx="375" cy="287"/>
@@ -4178,7 +4178,7 @@
         </p:nvGrpSpPr>
         <p:grpSpPr bwMode="auto">
           <a:xfrm flipV="1">
-            <a:off x="14886236" y="6308230"/>
+            <a:off x="14918807" y="6466447"/>
             <a:ext cx="3682450" cy="1236055"/>
             <a:chOff x="1169" y="3505"/>
             <a:chExt cx="375" cy="287"/>
@@ -5111,10 +5111,10 @@
         </p:nvGrpSpPr>
         <p:grpSpPr bwMode="auto">
           <a:xfrm flipV="1">
-            <a:off x="18255564" y="6296819"/>
-            <a:ext cx="3682450" cy="1236055"/>
-            <a:chOff x="1169" y="3505"/>
-            <a:chExt cx="375" cy="287"/>
+            <a:off x="33221914" y="6449219"/>
+            <a:ext cx="2828122" cy="1236055"/>
+            <a:chOff x="1256" y="3505"/>
+            <a:chExt cx="288" cy="287"/>
           </a:xfrm>
         </p:grpSpPr>
         <p:sp>
@@ -5348,118 +5348,6 @@
         </p:sp>
         <p:sp>
           <p:nvSpPr>
-            <p:cNvPr id="152" name="Freeform 10"/>
-            <p:cNvSpPr>
-              <a:spLocks noChangeAspect="1"/>
-            </p:cNvSpPr>
-            <p:nvPr/>
-          </p:nvSpPr>
-          <p:spPr bwMode="auto">
-            <a:xfrm>
-              <a:off x="1169" y="3505"/>
-              <a:ext cx="114" cy="287"/>
-            </a:xfrm>
-            <a:custGeom>
-              <a:avLst/>
-              <a:gdLst>
-                <a:gd name="T0" fmla="*/ 0 w 3615"/>
-                <a:gd name="T1" fmla="*/ 0 h 10500"/>
-                <a:gd name="T2" fmla="*/ 0 w 3615"/>
-                <a:gd name="T3" fmla="*/ 0 h 10500"/>
-                <a:gd name="T4" fmla="*/ 0 w 3615"/>
-                <a:gd name="T5" fmla="*/ 0 h 10500"/>
-                <a:gd name="T6" fmla="*/ 0 w 3615"/>
-                <a:gd name="T7" fmla="*/ 0 h 10500"/>
-                <a:gd name="T8" fmla="*/ 0 w 3615"/>
-                <a:gd name="T9" fmla="*/ 0 h 10500"/>
-                <a:gd name="T10" fmla="*/ 0 60000 65536"/>
-                <a:gd name="T11" fmla="*/ 0 60000 65536"/>
-                <a:gd name="T12" fmla="*/ 0 60000 65536"/>
-                <a:gd name="T13" fmla="*/ 0 60000 65536"/>
-                <a:gd name="T14" fmla="*/ 0 60000 65536"/>
-                <a:gd name="T15" fmla="*/ 0 w 3615"/>
-                <a:gd name="T16" fmla="*/ 0 h 10500"/>
-                <a:gd name="T17" fmla="*/ 3615 w 3615"/>
-                <a:gd name="T18" fmla="*/ 10500 h 10500"/>
-              </a:gdLst>
-              <a:ahLst/>
-              <a:cxnLst>
-                <a:cxn ang="T10">
-                  <a:pos x="T0" y="T1"/>
-                </a:cxn>
-                <a:cxn ang="T11">
-                  <a:pos x="T2" y="T3"/>
-                </a:cxn>
-                <a:cxn ang="T12">
-                  <a:pos x="T4" y="T5"/>
-                </a:cxn>
-                <a:cxn ang="T13">
-                  <a:pos x="T6" y="T7"/>
-                </a:cxn>
-                <a:cxn ang="T14">
-                  <a:pos x="T8" y="T9"/>
-                </a:cxn>
-              </a:cxnLst>
-              <a:rect l="T15" t="T16" r="T17" b="T18"/>
-              <a:pathLst>
-                <a:path w="3615" h="10500">
-                  <a:moveTo>
-                    <a:pt x="3615" y="0"/>
-                  </a:moveTo>
-                  <a:cubicBezTo>
-                    <a:pt x="1941" y="0"/>
-                    <a:pt x="2489" y="10500"/>
-                    <a:pt x="827" y="10500"/>
-                  </a:cubicBezTo>
-                  <a:cubicBezTo>
-                    <a:pt x="0" y="10500"/>
-                    <a:pt x="0" y="10500"/>
-                    <a:pt x="0" y="10500"/>
-                  </a:cubicBezTo>
-                  <a:cubicBezTo>
-                    <a:pt x="1662" y="10500"/>
-                    <a:pt x="1117" y="0"/>
-                    <a:pt x="2788" y="0"/>
-                  </a:cubicBezTo>
-                  <a:lnTo>
-                    <a:pt x="3615" y="0"/>
-                  </a:lnTo>
-                  <a:close/>
-                </a:path>
-              </a:pathLst>
-            </a:custGeom>
-            <a:solidFill>
-              <a:schemeClr val="tx1">
-                <a:lumMod val="50000"/>
-                <a:lumOff val="50000"/>
-              </a:schemeClr>
-            </a:solidFill>
-            <a:ln>
-              <a:noFill/>
-            </a:ln>
-            <a:extLst>
-              <a:ext uri="{91240B29-F687-4f45-9708-019B960494DF}">
-                <a14:hiddenLine xmlns:a14="http://schemas.microsoft.com/office/drawing/2010/main" w="6350">
-                  <a:solidFill>
-                    <a:srgbClr val="3366FF"/>
-                  </a:solidFill>
-                  <a:round/>
-                  <a:headEnd/>
-                  <a:tailEnd/>
-                </a14:hiddenLine>
-              </a:ext>
-            </a:extLst>
-          </p:spPr>
-          <p:txBody>
-            <a:bodyPr/>
-            <a:lstStyle/>
-            <a:p>
-              <a:endParaRPr lang="en-US"/>
-            </a:p>
-          </p:txBody>
-        </p:sp>
-        <p:sp>
-          <p:nvSpPr>
             <p:cNvPr id="153" name="Freeform 9"/>
             <p:cNvSpPr>
               <a:spLocks noChangeAspect="1"/>
@@ -5566,123 +5454,6 @@
             <a:lstStyle/>
             <a:p>
               <a:endParaRPr lang="en-US"/>
-            </a:p>
-          </p:txBody>
-        </p:sp>
-        <p:sp>
-          <p:nvSpPr>
-            <p:cNvPr id="154" name="Freeform 8"/>
-            <p:cNvSpPr>
-              <a:spLocks noChangeAspect="1"/>
-            </p:cNvSpPr>
-            <p:nvPr/>
-          </p:nvSpPr>
-          <p:spPr bwMode="auto">
-            <a:xfrm>
-              <a:off x="1169" y="3505"/>
-              <a:ext cx="114" cy="287"/>
-            </a:xfrm>
-            <a:custGeom>
-              <a:avLst/>
-              <a:gdLst>
-                <a:gd name="T0" fmla="*/ 0 w 3607"/>
-                <a:gd name="T1" fmla="*/ 0 h 10500"/>
-                <a:gd name="T2" fmla="*/ 0 w 3607"/>
-                <a:gd name="T3" fmla="*/ 0 h 10500"/>
-                <a:gd name="T4" fmla="*/ 0 w 3607"/>
-                <a:gd name="T5" fmla="*/ 0 h 10500"/>
-                <a:gd name="T6" fmla="*/ 0 w 3607"/>
-                <a:gd name="T7" fmla="*/ 0 h 10500"/>
-                <a:gd name="T8" fmla="*/ 0 w 3607"/>
-                <a:gd name="T9" fmla="*/ 0 h 10500"/>
-                <a:gd name="T10" fmla="*/ 0 60000 65536"/>
-                <a:gd name="T11" fmla="*/ 0 60000 65536"/>
-                <a:gd name="T12" fmla="*/ 0 60000 65536"/>
-                <a:gd name="T13" fmla="*/ 0 60000 65536"/>
-                <a:gd name="T14" fmla="*/ 0 60000 65536"/>
-                <a:gd name="T15" fmla="*/ 0 w 3607"/>
-                <a:gd name="T16" fmla="*/ 0 h 10500"/>
-                <a:gd name="T17" fmla="*/ 3607 w 3607"/>
-                <a:gd name="T18" fmla="*/ 10500 h 10500"/>
-              </a:gdLst>
-              <a:ahLst/>
-              <a:cxnLst>
-                <a:cxn ang="T10">
-                  <a:pos x="T0" y="T1"/>
-                </a:cxn>
-                <a:cxn ang="T11">
-                  <a:pos x="T2" y="T3"/>
-                </a:cxn>
-                <a:cxn ang="T12">
-                  <a:pos x="T4" y="T5"/>
-                </a:cxn>
-                <a:cxn ang="T13">
-                  <a:pos x="T6" y="T7"/>
-                </a:cxn>
-                <a:cxn ang="T14">
-                  <a:pos x="T8" y="T9"/>
-                </a:cxn>
-              </a:cxnLst>
-              <a:rect l="T15" t="T16" r="T17" b="T18"/>
-              <a:pathLst>
-                <a:path w="3607" h="10500">
-                  <a:moveTo>
-                    <a:pt x="3607" y="10500"/>
-                  </a:moveTo>
-                  <a:cubicBezTo>
-                    <a:pt x="1937" y="10500"/>
-                    <a:pt x="2484" y="0"/>
-                    <a:pt x="825" y="0"/>
-                  </a:cubicBezTo>
-                  <a:cubicBezTo>
-                    <a:pt x="0" y="0"/>
-                    <a:pt x="0" y="0"/>
-                    <a:pt x="0" y="0"/>
-                  </a:cubicBezTo>
-                  <a:cubicBezTo>
-                    <a:pt x="1659" y="0"/>
-                    <a:pt x="1115" y="10500"/>
-                    <a:pt x="2782" y="10500"/>
-                  </a:cubicBezTo>
-                  <a:lnTo>
-                    <a:pt x="3607" y="10500"/>
-                  </a:lnTo>
-                  <a:close/>
-                </a:path>
-              </a:pathLst>
-            </a:custGeom>
-            <a:solidFill>
-              <a:schemeClr val="bg1">
-                <a:lumMod val="65000"/>
-              </a:schemeClr>
-            </a:solidFill>
-            <a:ln>
-              <a:noFill/>
-            </a:ln>
-            <a:extLst>
-              <a:ext uri="{91240B29-F687-4f45-9708-019B960494DF}">
-                <a14:hiddenLine xmlns:a14="http://schemas.microsoft.com/office/drawing/2010/main" w="6350">
-                  <a:solidFill>
-                    <a:srgbClr val="FF6600"/>
-                  </a:solidFill>
-                  <a:round/>
-                  <a:headEnd/>
-                  <a:tailEnd/>
-                </a14:hiddenLine>
-              </a:ext>
-            </a:extLst>
-          </p:spPr>
-          <p:txBody>
-            <a:bodyPr/>
-            <a:lstStyle/>
-            <a:p>
-              <a:endParaRPr lang="en-US">
-                <a:solidFill>
-                  <a:schemeClr val="bg1">
-                    <a:lumMod val="65000"/>
-                  </a:schemeClr>
-                </a:solidFill>
-              </a:endParaRPr>
             </a:p>
           </p:txBody>
         </p:sp>
@@ -6044,7 +5815,7 @@
         </p:nvGrpSpPr>
         <p:grpSpPr bwMode="auto">
           <a:xfrm flipV="1">
-            <a:off x="21763430" y="6308230"/>
+            <a:off x="21763430" y="6453526"/>
             <a:ext cx="3682450" cy="1236055"/>
             <a:chOff x="1169" y="3505"/>
             <a:chExt cx="375" cy="287"/>
@@ -6977,7 +6748,7 @@
         </p:nvGrpSpPr>
         <p:grpSpPr bwMode="auto">
           <a:xfrm flipV="1">
-            <a:off x="25223231" y="6312538"/>
+            <a:off x="25176290" y="6457833"/>
             <a:ext cx="3682450" cy="1236055"/>
             <a:chOff x="1169" y="3505"/>
             <a:chExt cx="375" cy="287"/>
@@ -7910,7 +7681,7 @@
         </p:nvGrpSpPr>
         <p:grpSpPr bwMode="auto">
           <a:xfrm flipV="1">
-            <a:off x="28854334" y="6308230"/>
+            <a:off x="28661364" y="6462140"/>
             <a:ext cx="3682450" cy="1236055"/>
             <a:chOff x="1169" y="3505"/>
             <a:chExt cx="375" cy="287"/>
@@ -8843,7 +8614,7 @@
         </p:nvGrpSpPr>
         <p:grpSpPr bwMode="auto">
           <a:xfrm flipV="1">
-            <a:off x="32318301" y="6330684"/>
+            <a:off x="32202362" y="6457833"/>
             <a:ext cx="1119465" cy="1236055"/>
             <a:chOff x="1169" y="3505"/>
             <a:chExt cx="114" cy="287"/>
@@ -9087,8 +8858,8 @@
         </p:nvSpPr>
         <p:spPr>
           <a:xfrm>
-            <a:off x="11942407" y="7895701"/>
-            <a:ext cx="2672518" cy="707882"/>
+            <a:off x="12256596" y="7895701"/>
+            <a:ext cx="2044141" cy="707882"/>
           </a:xfrm>
           <a:prstGeom prst="rect">
             <a:avLst/>
@@ -9107,8 +8878,12 @@
                 <a:latin typeface="Courier New"/>
                 <a:cs typeface="Courier New"/>
               </a:rPr>
-              <a:t>Anchor A</a:t>
+              <a:t>Peak A</a:t>
             </a:r>
+            <a:endParaRPr lang="en-US" sz="4000" b="1" dirty="0" smtClean="0">
+              <a:latin typeface="Courier New"/>
+              <a:cs typeface="Courier New"/>
+            </a:endParaRPr>
           </a:p>
         </p:txBody>
       </p:sp>
@@ -9120,7 +8895,7 @@
         </p:nvSpPr>
         <p:spPr>
           <a:xfrm>
-            <a:off x="7747622" y="10357943"/>
+            <a:off x="7078396" y="19068732"/>
             <a:ext cx="2647271" cy="1323435"/>
           </a:xfrm>
           <a:prstGeom prst="rect">
@@ -9163,7 +8938,7 @@
         </p:nvCxnSpPr>
         <p:spPr>
           <a:xfrm>
-            <a:off x="11828347" y="12108926"/>
+            <a:off x="11674819" y="20819715"/>
             <a:ext cx="498315" cy="0"/>
           </a:xfrm>
           <a:prstGeom prst="line">
@@ -9199,7 +8974,7 @@
         </p:nvCxnSpPr>
         <p:spPr>
           <a:xfrm>
-            <a:off x="26180038" y="12108926"/>
+            <a:off x="26026510" y="20819715"/>
             <a:ext cx="498315" cy="0"/>
           </a:xfrm>
           <a:prstGeom prst="line">
@@ -9235,7 +9010,7 @@
         </p:nvCxnSpPr>
         <p:spPr>
           <a:xfrm>
-            <a:off x="12167615" y="12108926"/>
+            <a:off x="12014087" y="20819715"/>
             <a:ext cx="14284541" cy="0"/>
           </a:xfrm>
           <a:prstGeom prst="line">
@@ -9272,7 +9047,7 @@
         </p:nvCxnSpPr>
         <p:spPr>
           <a:xfrm>
-            <a:off x="12229906" y="12829750"/>
+            <a:off x="12076378" y="21540539"/>
             <a:ext cx="498315" cy="0"/>
           </a:xfrm>
           <a:prstGeom prst="line">
@@ -9308,7 +9083,7 @@
         </p:nvCxnSpPr>
         <p:spPr>
           <a:xfrm>
-            <a:off x="32995117" y="12829750"/>
+            <a:off x="32841589" y="21540539"/>
             <a:ext cx="498315" cy="0"/>
           </a:xfrm>
           <a:prstGeom prst="line">
@@ -9344,7 +9119,7 @@
         </p:nvCxnSpPr>
         <p:spPr>
           <a:xfrm>
-            <a:off x="12320015" y="12829750"/>
+            <a:off x="12166487" y="21540539"/>
             <a:ext cx="20675102" cy="0"/>
           </a:xfrm>
           <a:prstGeom prst="line">
@@ -9381,7 +9156,7 @@
         </p:nvCxnSpPr>
         <p:spPr>
           <a:xfrm>
-            <a:off x="25801442" y="11442882"/>
+            <a:off x="25647914" y="20153671"/>
             <a:ext cx="498315" cy="0"/>
           </a:xfrm>
           <a:prstGeom prst="line">
@@ -9417,7 +9192,7 @@
         </p:nvCxnSpPr>
         <p:spPr>
           <a:xfrm>
-            <a:off x="32175547" y="11442882"/>
+            <a:off x="32022019" y="20153671"/>
             <a:ext cx="498315" cy="0"/>
           </a:xfrm>
           <a:prstGeom prst="line">
@@ -9453,7 +9228,7 @@
         </p:nvCxnSpPr>
         <p:spPr>
           <a:xfrm>
-            <a:off x="26103073" y="11442882"/>
+            <a:off x="25949545" y="20153671"/>
             <a:ext cx="6240741" cy="0"/>
           </a:xfrm>
           <a:prstGeom prst="line">
@@ -9490,7 +9265,7 @@
         </p:nvCxnSpPr>
         <p:spPr>
           <a:xfrm>
-            <a:off x="25953842" y="10663949"/>
+            <a:off x="25800314" y="19374738"/>
             <a:ext cx="498315" cy="0"/>
           </a:xfrm>
           <a:prstGeom prst="line">
@@ -9526,7 +9301,7 @@
         </p:nvCxnSpPr>
         <p:spPr>
           <a:xfrm>
-            <a:off x="29485817" y="10663949"/>
+            <a:off x="29332289" y="19374738"/>
             <a:ext cx="498315" cy="0"/>
           </a:xfrm>
           <a:prstGeom prst="line">
@@ -9562,7 +9337,7 @@
         </p:nvCxnSpPr>
         <p:spPr>
           <a:xfrm>
-            <a:off x="25990336" y="10663949"/>
+            <a:off x="25836808" y="19374738"/>
             <a:ext cx="3718326" cy="0"/>
           </a:xfrm>
           <a:prstGeom prst="line">
@@ -9599,7 +9374,7 @@
         </p:nvCxnSpPr>
         <p:spPr>
           <a:xfrm>
-            <a:off x="27187204" y="9896130"/>
+            <a:off x="27033676" y="18606919"/>
             <a:ext cx="498315" cy="0"/>
           </a:xfrm>
           <a:prstGeom prst="line">
@@ -9635,7 +9410,7 @@
         </p:nvCxnSpPr>
         <p:spPr>
           <a:xfrm>
-            <a:off x="32823512" y="9901949"/>
+            <a:off x="32669984" y="18612738"/>
             <a:ext cx="498315" cy="0"/>
           </a:xfrm>
           <a:prstGeom prst="line">
@@ -9671,7 +9446,7 @@
         </p:nvCxnSpPr>
         <p:spPr>
           <a:xfrm>
-            <a:off x="27455091" y="9896130"/>
+            <a:off x="27301563" y="18606919"/>
             <a:ext cx="5536689" cy="5819"/>
           </a:xfrm>
           <a:prstGeom prst="line">
@@ -9708,7 +9483,7 @@
         </p:nvSpPr>
         <p:spPr>
           <a:xfrm>
-            <a:off x="7809406" y="6296819"/>
+            <a:off x="7231924" y="6453526"/>
             <a:ext cx="2069789" cy="1323435"/>
           </a:xfrm>
           <a:prstGeom prst="rect">
@@ -9748,8 +9523,8 @@
         </p:nvSpPr>
         <p:spPr>
           <a:xfrm>
-            <a:off x="24788785" y="7908256"/>
-            <a:ext cx="2660095" cy="707882"/>
+            <a:off x="25103025" y="7908256"/>
+            <a:ext cx="2031618" cy="707882"/>
           </a:xfrm>
           <a:prstGeom prst="rect">
             <a:avLst/>
@@ -9768,8 +9543,12 @@
                 <a:latin typeface="Courier New"/>
                 <a:cs typeface="Courier New"/>
               </a:rPr>
-              <a:t>Anchor B</a:t>
+              <a:t>Peak B</a:t>
             </a:r>
+            <a:endParaRPr lang="en-US" sz="4000" b="1" dirty="0" smtClean="0">
+              <a:latin typeface="Courier New"/>
+              <a:cs typeface="Courier New"/>
+            </a:endParaRPr>
           </a:p>
         </p:txBody>
       </p:sp>
@@ -9781,8 +9560,8 @@
         </p:nvSpPr>
         <p:spPr>
           <a:xfrm>
-            <a:off x="30988253" y="7895701"/>
-            <a:ext cx="2660095" cy="707882"/>
+            <a:off x="31302493" y="7895701"/>
+            <a:ext cx="2031618" cy="707882"/>
           </a:xfrm>
           <a:prstGeom prst="rect">
             <a:avLst/>
@@ -9801,8 +9580,12 @@
                 <a:latin typeface="Courier New"/>
                 <a:cs typeface="Courier New"/>
               </a:rPr>
-              <a:t>Anchor C</a:t>
+              <a:t>Peak C</a:t>
             </a:r>
+            <a:endParaRPr lang="en-US" sz="4000" b="1" dirty="0" smtClean="0">
+              <a:latin typeface="Courier New"/>
+              <a:cs typeface="Courier New"/>
+            </a:endParaRPr>
           </a:p>
         </p:txBody>
       </p:sp>
@@ -10109,13 +9892,6 @@
               </a:rPr>
               <a:t>peak-pad</a:t>
             </a:r>
-            <a:endParaRPr lang="en-US" sz="4000" b="1" dirty="0" smtClean="0">
-              <a:solidFill>
-                <a:schemeClr val="accent6"/>
-              </a:solidFill>
-              <a:latin typeface="Courier New"/>
-              <a:cs typeface="Courier New"/>
-            </a:endParaRPr>
           </a:p>
         </p:txBody>
       </p:sp>
@@ -10144,20 +9920,13 @@
             <a:r>
               <a:rPr lang="en-US" sz="4000" b="1" dirty="0" smtClean="0">
                 <a:solidFill>
-                  <a:schemeClr val="accent4"/>
+                  <a:srgbClr val="000000"/>
                 </a:solidFill>
                 <a:latin typeface="Courier New"/>
                 <a:cs typeface="Courier New"/>
               </a:rPr>
               <a:t>merge-gap</a:t>
             </a:r>
-            <a:endParaRPr lang="en-US" sz="4000" b="1" dirty="0" smtClean="0">
-              <a:solidFill>
-                <a:schemeClr val="accent4"/>
-              </a:solidFill>
-              <a:latin typeface="Courier New"/>
-              <a:cs typeface="Courier New"/>
-            </a:endParaRPr>
           </a:p>
         </p:txBody>
       </p:sp>
@@ -10169,8 +9938,8 @@
         </p:nvSpPr>
         <p:spPr>
           <a:xfrm>
-            <a:off x="33802627" y="9542189"/>
-            <a:ext cx="1723791" cy="3580463"/>
+            <a:off x="33649099" y="18252978"/>
+            <a:ext cx="2863401" cy="3580463"/>
           </a:xfrm>
           <a:prstGeom prst="rect">
             <a:avLst/>
@@ -10178,12 +9947,12 @@
           <a:noFill/>
         </p:spPr>
         <p:txBody>
-          <a:bodyPr wrap="none" lIns="91436" tIns="45718" rIns="91436" bIns="45718" rtlCol="0">
+          <a:bodyPr wrap="square" lIns="91436" tIns="45718" rIns="91436" bIns="45718" rtlCol="0">
             <a:spAutoFit/>
           </a:bodyPr>
           <a:lstStyle/>
           <a:p>
-            <a:pPr algn="ctr">
+            <a:pPr>
               <a:spcAft>
                 <a:spcPts val="800"/>
               </a:spcAft>
@@ -10196,11 +9965,28 @@
                 <a:latin typeface="Courier New"/>
                 <a:cs typeface="Courier New"/>
               </a:rPr>
-              <a:t>PET 1</a:t>
+              <a:t>PET </a:t>
             </a:r>
-          </a:p>
-          <a:p>
-            <a:pPr algn="ctr">
+            <a:r>
+              <a:rPr lang="en-US" sz="4000" b="1" dirty="0" smtClean="0">
+                <a:solidFill>
+                  <a:schemeClr val="tx2"/>
+                </a:solidFill>
+                <a:latin typeface="Courier New"/>
+                <a:cs typeface="Courier New"/>
+              </a:rPr>
+              <a:t>I</a:t>
+            </a:r>
+            <a:endParaRPr lang="en-US" sz="4000" b="1" dirty="0" smtClean="0">
+              <a:solidFill>
+                <a:schemeClr val="tx2"/>
+              </a:solidFill>
+              <a:latin typeface="Courier New"/>
+              <a:cs typeface="Courier New"/>
+            </a:endParaRPr>
+          </a:p>
+          <a:p>
+            <a:pPr>
               <a:spcAft>
                 <a:spcPts val="800"/>
               </a:spcAft>
@@ -10213,11 +9999,28 @@
                 <a:latin typeface="Courier New"/>
                 <a:cs typeface="Courier New"/>
               </a:rPr>
-              <a:t>PET 2</a:t>
+              <a:t>PET </a:t>
             </a:r>
-          </a:p>
-          <a:p>
-            <a:pPr algn="ctr">
+            <a:r>
+              <a:rPr lang="en-US" sz="4000" b="1" dirty="0" smtClean="0">
+                <a:solidFill>
+                  <a:schemeClr val="tx2"/>
+                </a:solidFill>
+                <a:latin typeface="Courier New"/>
+                <a:cs typeface="Courier New"/>
+              </a:rPr>
+              <a:t>II</a:t>
+            </a:r>
+            <a:endParaRPr lang="en-US" sz="4000" b="1" dirty="0" smtClean="0">
+              <a:solidFill>
+                <a:schemeClr val="tx2"/>
+              </a:solidFill>
+              <a:latin typeface="Courier New"/>
+              <a:cs typeface="Courier New"/>
+            </a:endParaRPr>
+          </a:p>
+          <a:p>
+            <a:pPr>
               <a:spcAft>
                 <a:spcPts val="800"/>
               </a:spcAft>
@@ -10230,11 +10033,28 @@
                 <a:latin typeface="Courier New"/>
                 <a:cs typeface="Courier New"/>
               </a:rPr>
-              <a:t>PET 3</a:t>
+              <a:t>PET </a:t>
             </a:r>
-          </a:p>
-          <a:p>
-            <a:pPr algn="ctr">
+            <a:r>
+              <a:rPr lang="en-US" sz="4000" b="1" dirty="0" smtClean="0">
+                <a:solidFill>
+                  <a:schemeClr val="tx2"/>
+                </a:solidFill>
+                <a:latin typeface="Courier New"/>
+                <a:cs typeface="Courier New"/>
+              </a:rPr>
+              <a:t>III</a:t>
+            </a:r>
+            <a:endParaRPr lang="en-US" sz="4000" b="1" dirty="0" smtClean="0">
+              <a:solidFill>
+                <a:schemeClr val="tx2"/>
+              </a:solidFill>
+              <a:latin typeface="Courier New"/>
+              <a:cs typeface="Courier New"/>
+            </a:endParaRPr>
+          </a:p>
+          <a:p>
+            <a:pPr>
               <a:spcAft>
                 <a:spcPts val="800"/>
               </a:spcAft>
@@ -10247,11 +10067,28 @@
                 <a:latin typeface="Courier New"/>
                 <a:cs typeface="Courier New"/>
               </a:rPr>
-              <a:t>PET 4</a:t>
+              <a:t>PET </a:t>
             </a:r>
-          </a:p>
-          <a:p>
-            <a:pPr algn="ctr">
+            <a:r>
+              <a:rPr lang="en-US" sz="4000" b="1" dirty="0" smtClean="0">
+                <a:solidFill>
+                  <a:schemeClr val="tx2"/>
+                </a:solidFill>
+                <a:latin typeface="Courier New"/>
+                <a:cs typeface="Courier New"/>
+              </a:rPr>
+              <a:t>IV</a:t>
+            </a:r>
+            <a:endParaRPr lang="en-US" sz="4000" b="1" dirty="0" smtClean="0">
+              <a:solidFill>
+                <a:schemeClr val="tx2"/>
+              </a:solidFill>
+              <a:latin typeface="Courier New"/>
+              <a:cs typeface="Courier New"/>
+            </a:endParaRPr>
+          </a:p>
+          <a:p>
+            <a:pPr>
               <a:spcAft>
                 <a:spcPts val="800"/>
               </a:spcAft>
@@ -10264,8 +10101,25 @@
                 <a:latin typeface="Courier New"/>
                 <a:cs typeface="Courier New"/>
               </a:rPr>
-              <a:t>PET 5</a:t>
+              <a:t>PET </a:t>
             </a:r>
+            <a:r>
+              <a:rPr lang="en-US" sz="4000" b="1" dirty="0" smtClean="0">
+                <a:solidFill>
+                  <a:schemeClr val="tx2"/>
+                </a:solidFill>
+                <a:latin typeface="Courier New"/>
+                <a:cs typeface="Courier New"/>
+              </a:rPr>
+              <a:t>V</a:t>
+            </a:r>
+            <a:endParaRPr lang="en-US" sz="4000" b="1" dirty="0" smtClean="0">
+              <a:solidFill>
+                <a:schemeClr val="tx2"/>
+              </a:solidFill>
+              <a:latin typeface="Courier New"/>
+              <a:cs typeface="Courier New"/>
+            </a:endParaRPr>
           </a:p>
         </p:txBody>
       </p:sp>
@@ -10285,7 +10139,7 @@
           </a:prstGeom>
           <a:ln w="127000">
             <a:solidFill>
-              <a:schemeClr val="accent4"/>
+              <a:schemeClr val="tx1"/>
             </a:solidFill>
           </a:ln>
           <a:effectLst/>
@@ -10346,13 +10200,6 @@
               </a:rPr>
               <a:t>peak-pad</a:t>
             </a:r>
-            <a:endParaRPr lang="en-US" sz="4000" b="1" dirty="0" smtClean="0">
-              <a:solidFill>
-                <a:schemeClr val="accent6"/>
-              </a:solidFill>
-              <a:latin typeface="Courier New"/>
-              <a:cs typeface="Courier New"/>
-            </a:endParaRPr>
           </a:p>
         </p:txBody>
       </p:sp>
@@ -10389,13 +10236,6 @@
               </a:rPr>
               <a:t>peak-pad</a:t>
             </a:r>
-            <a:endParaRPr lang="en-US" sz="4000" b="1" dirty="0" smtClean="0">
-              <a:solidFill>
-                <a:schemeClr val="accent6"/>
-              </a:solidFill>
-              <a:latin typeface="Courier New"/>
-              <a:cs typeface="Courier New"/>
-            </a:endParaRPr>
           </a:p>
         </p:txBody>
       </p:sp>
@@ -10429,7 +10269,1545 @@
               </a:rPr>
               <a:t>dist</a:t>
             </a:r>
+          </a:p>
+        </p:txBody>
+      </p:sp>
+      <p:sp>
+        <p:nvSpPr>
+          <p:cNvPr id="96" name="TextBox 95"/>
+          <p:cNvSpPr txBox="1"/>
+          <p:nvPr/>
+        </p:nvSpPr>
+        <p:spPr>
+          <a:xfrm>
+            <a:off x="6624211" y="9814823"/>
+            <a:ext cx="3878577" cy="1323435"/>
+          </a:xfrm>
+          <a:prstGeom prst="rect">
+            <a:avLst/>
+          </a:prstGeom>
+          <a:noFill/>
+        </p:spPr>
+        <p:txBody>
+          <a:bodyPr wrap="none" lIns="91436" tIns="45718" rIns="91436" bIns="45718" rtlCol="0">
+            <a:spAutoFit/>
+          </a:bodyPr>
+          <a:lstStyle/>
+          <a:p>
+            <a:pPr algn="ctr"/>
+            <a:r>
+              <a:rPr lang="en-US" sz="4000" b="1" dirty="0" smtClean="0">
+                <a:solidFill>
+                  <a:schemeClr val="accent1"/>
+                </a:solidFill>
+                <a:latin typeface="Courier New"/>
+                <a:cs typeface="Courier New"/>
+              </a:rPr>
+              <a:t>Restriction</a:t>
+            </a:r>
+          </a:p>
+          <a:p>
+            <a:pPr algn="ctr"/>
+            <a:r>
+              <a:rPr lang="en-US" sz="4000" b="1" dirty="0" smtClean="0">
+                <a:solidFill>
+                  <a:schemeClr val="accent1"/>
+                </a:solidFill>
+                <a:latin typeface="Courier New"/>
+                <a:cs typeface="Courier New"/>
+              </a:rPr>
+              <a:t>Enzyme Motif</a:t>
+            </a:r>
             <a:endParaRPr lang="en-US" sz="4000" b="1" dirty="0" smtClean="0">
+              <a:solidFill>
+                <a:schemeClr val="accent1"/>
+              </a:solidFill>
+              <a:latin typeface="Courier New"/>
+              <a:cs typeface="Courier New"/>
+            </a:endParaRPr>
+          </a:p>
+        </p:txBody>
+      </p:sp>
+      <p:sp>
+        <p:nvSpPr>
+          <p:cNvPr id="97" name="TextBox 96"/>
+          <p:cNvSpPr txBox="1"/>
+          <p:nvPr/>
+        </p:nvSpPr>
+        <p:spPr>
+          <a:xfrm>
+            <a:off x="11202508" y="9814823"/>
+            <a:ext cx="24847528" cy="1323435"/>
+          </a:xfrm>
+          <a:prstGeom prst="rect">
+            <a:avLst/>
+          </a:prstGeom>
+          <a:noFill/>
+        </p:spPr>
+        <p:txBody>
+          <a:bodyPr wrap="square" lIns="91436" tIns="45718" rIns="91436" bIns="45718" rtlCol="0">
+            <a:spAutoFit/>
+          </a:bodyPr>
+          <a:lstStyle/>
+          <a:p>
+            <a:r>
+              <a:rPr lang="en-US" sz="4000" b="1" dirty="0" smtClean="0">
+                <a:solidFill>
+                  <a:srgbClr val="4F81BD"/>
+                </a:solidFill>
+                <a:latin typeface="Courier New"/>
+                <a:cs typeface="Courier New"/>
+              </a:rPr>
+              <a:t>|               |                  |   |         |     |     |   |            |</a:t>
+            </a:r>
+          </a:p>
+          <a:p>
+            <a:r>
+              <a:rPr lang="en-US" sz="4000" b="1" dirty="0" smtClean="0">
+                <a:solidFill>
+                  <a:srgbClr val="4F81BD"/>
+                </a:solidFill>
+                <a:latin typeface="Courier New"/>
+                <a:cs typeface="Courier New"/>
+              </a:rPr>
+              <a:t>1               2                  3   4         5     6     7   8            9</a:t>
+            </a:r>
+            <a:endParaRPr lang="en-US" sz="4000" b="1" dirty="0" smtClean="0">
+              <a:solidFill>
+                <a:srgbClr val="4F81BD"/>
+              </a:solidFill>
+              <a:latin typeface="Courier New"/>
+              <a:cs typeface="Courier New"/>
+            </a:endParaRPr>
+          </a:p>
+        </p:txBody>
+      </p:sp>
+      <p:grpSp>
+        <p:nvGrpSpPr>
+          <p:cNvPr id="98" name="Group 21"/>
+          <p:cNvGrpSpPr>
+            <a:grpSpLocks noChangeAspect="1"/>
+          </p:cNvGrpSpPr>
+          <p:nvPr/>
+        </p:nvGrpSpPr>
+        <p:grpSpPr bwMode="auto">
+          <a:xfrm flipV="1">
+            <a:off x="18407964" y="6449219"/>
+            <a:ext cx="3682450" cy="1236055"/>
+            <a:chOff x="1169" y="3505"/>
+            <a:chExt cx="375" cy="287"/>
+          </a:xfrm>
+        </p:grpSpPr>
+        <p:sp>
+          <p:nvSpPr>
+            <p:cNvPr id="99" name="Freeform 10"/>
+            <p:cNvSpPr>
+              <a:spLocks noChangeAspect="1"/>
+            </p:cNvSpPr>
+            <p:nvPr/>
+          </p:nvSpPr>
+          <p:spPr bwMode="auto">
+            <a:xfrm>
+              <a:off x="1344" y="3505"/>
+              <a:ext cx="113" cy="287"/>
+            </a:xfrm>
+            <a:custGeom>
+              <a:avLst/>
+              <a:gdLst>
+                <a:gd name="T0" fmla="*/ 0 w 3615"/>
+                <a:gd name="T1" fmla="*/ 0 h 10500"/>
+                <a:gd name="T2" fmla="*/ 0 w 3615"/>
+                <a:gd name="T3" fmla="*/ 0 h 10500"/>
+                <a:gd name="T4" fmla="*/ 0 w 3615"/>
+                <a:gd name="T5" fmla="*/ 0 h 10500"/>
+                <a:gd name="T6" fmla="*/ 0 w 3615"/>
+                <a:gd name="T7" fmla="*/ 0 h 10500"/>
+                <a:gd name="T8" fmla="*/ 0 w 3615"/>
+                <a:gd name="T9" fmla="*/ 0 h 10500"/>
+                <a:gd name="T10" fmla="*/ 0 60000 65536"/>
+                <a:gd name="T11" fmla="*/ 0 60000 65536"/>
+                <a:gd name="T12" fmla="*/ 0 60000 65536"/>
+                <a:gd name="T13" fmla="*/ 0 60000 65536"/>
+                <a:gd name="T14" fmla="*/ 0 60000 65536"/>
+                <a:gd name="T15" fmla="*/ 0 w 3615"/>
+                <a:gd name="T16" fmla="*/ 0 h 10500"/>
+                <a:gd name="T17" fmla="*/ 3615 w 3615"/>
+                <a:gd name="T18" fmla="*/ 10500 h 10500"/>
+              </a:gdLst>
+              <a:ahLst/>
+              <a:cxnLst>
+                <a:cxn ang="T10">
+                  <a:pos x="T0" y="T1"/>
+                </a:cxn>
+                <a:cxn ang="T11">
+                  <a:pos x="T2" y="T3"/>
+                </a:cxn>
+                <a:cxn ang="T12">
+                  <a:pos x="T4" y="T5"/>
+                </a:cxn>
+                <a:cxn ang="T13">
+                  <a:pos x="T6" y="T7"/>
+                </a:cxn>
+                <a:cxn ang="T14">
+                  <a:pos x="T8" y="T9"/>
+                </a:cxn>
+              </a:cxnLst>
+              <a:rect l="T15" t="T16" r="T17" b="T18"/>
+              <a:pathLst>
+                <a:path w="3615" h="10500">
+                  <a:moveTo>
+                    <a:pt x="3615" y="0"/>
+                  </a:moveTo>
+                  <a:cubicBezTo>
+                    <a:pt x="1941" y="0"/>
+                    <a:pt x="2489" y="10500"/>
+                    <a:pt x="827" y="10500"/>
+                  </a:cubicBezTo>
+                  <a:cubicBezTo>
+                    <a:pt x="0" y="10500"/>
+                    <a:pt x="0" y="10500"/>
+                    <a:pt x="0" y="10500"/>
+                  </a:cubicBezTo>
+                  <a:cubicBezTo>
+                    <a:pt x="1662" y="10500"/>
+                    <a:pt x="1117" y="0"/>
+                    <a:pt x="2788" y="0"/>
+                  </a:cubicBezTo>
+                  <a:lnTo>
+                    <a:pt x="3615" y="0"/>
+                  </a:lnTo>
+                  <a:close/>
+                </a:path>
+              </a:pathLst>
+            </a:custGeom>
+            <a:solidFill>
+              <a:schemeClr val="tx1">
+                <a:lumMod val="50000"/>
+                <a:lumOff val="50000"/>
+              </a:schemeClr>
+            </a:solidFill>
+            <a:ln>
+              <a:noFill/>
+            </a:ln>
+            <a:extLst>
+              <a:ext uri="{91240B29-F687-4f45-9708-019B960494DF}">
+                <a14:hiddenLine xmlns:a14="http://schemas.microsoft.com/office/drawing/2010/main" w="6350">
+                  <a:solidFill>
+                    <a:srgbClr val="3366FF"/>
+                  </a:solidFill>
+                  <a:round/>
+                  <a:headEnd/>
+                  <a:tailEnd/>
+                </a14:hiddenLine>
+              </a:ext>
+            </a:extLst>
+          </p:spPr>
+          <p:txBody>
+            <a:bodyPr/>
+            <a:lstStyle/>
+            <a:p>
+              <a:endParaRPr lang="en-US"/>
+            </a:p>
+          </p:txBody>
+        </p:sp>
+        <p:sp>
+          <p:nvSpPr>
+            <p:cNvPr id="100" name="Freeform 9"/>
+            <p:cNvSpPr>
+              <a:spLocks noChangeAspect="1"/>
+            </p:cNvSpPr>
+            <p:nvPr/>
+          </p:nvSpPr>
+          <p:spPr bwMode="auto">
+            <a:xfrm>
+              <a:off x="1430" y="3505"/>
+              <a:ext cx="114" cy="287"/>
+            </a:xfrm>
+            <a:custGeom>
+              <a:avLst/>
+              <a:gdLst>
+                <a:gd name="T0" fmla="*/ 0 w 3615"/>
+                <a:gd name="T1" fmla="*/ 0 h 10475"/>
+                <a:gd name="T2" fmla="*/ 0 w 3615"/>
+                <a:gd name="T3" fmla="*/ 0 h 10475"/>
+                <a:gd name="T4" fmla="*/ 0 w 3615"/>
+                <a:gd name="T5" fmla="*/ 0 h 10475"/>
+                <a:gd name="T6" fmla="*/ 0 w 3615"/>
+                <a:gd name="T7" fmla="*/ 0 h 10475"/>
+                <a:gd name="T8" fmla="*/ 0 w 3615"/>
+                <a:gd name="T9" fmla="*/ 0 h 10475"/>
+                <a:gd name="T10" fmla="*/ 0 60000 65536"/>
+                <a:gd name="T11" fmla="*/ 0 60000 65536"/>
+                <a:gd name="T12" fmla="*/ 0 60000 65536"/>
+                <a:gd name="T13" fmla="*/ 0 60000 65536"/>
+                <a:gd name="T14" fmla="*/ 0 60000 65536"/>
+                <a:gd name="T15" fmla="*/ 0 w 3615"/>
+                <a:gd name="T16" fmla="*/ 0 h 10475"/>
+                <a:gd name="T17" fmla="*/ 3615 w 3615"/>
+                <a:gd name="T18" fmla="*/ 10475 h 10475"/>
+              </a:gdLst>
+              <a:ahLst/>
+              <a:cxnLst>
+                <a:cxn ang="T10">
+                  <a:pos x="T0" y="T1"/>
+                </a:cxn>
+                <a:cxn ang="T11">
+                  <a:pos x="T2" y="T3"/>
+                </a:cxn>
+                <a:cxn ang="T12">
+                  <a:pos x="T4" y="T5"/>
+                </a:cxn>
+                <a:cxn ang="T13">
+                  <a:pos x="T6" y="T7"/>
+                </a:cxn>
+                <a:cxn ang="T14">
+                  <a:pos x="T8" y="T9"/>
+                </a:cxn>
+              </a:cxnLst>
+              <a:rect l="T15" t="T16" r="T17" b="T18"/>
+              <a:pathLst>
+                <a:path w="3615" h="10475">
+                  <a:moveTo>
+                    <a:pt x="3615" y="0"/>
+                  </a:moveTo>
+                  <a:cubicBezTo>
+                    <a:pt x="1942" y="0"/>
+                    <a:pt x="2489" y="10475"/>
+                    <a:pt x="827" y="10475"/>
+                  </a:cubicBezTo>
+                  <a:cubicBezTo>
+                    <a:pt x="0" y="10475"/>
+                    <a:pt x="0" y="10475"/>
+                    <a:pt x="0" y="10475"/>
+                  </a:cubicBezTo>
+                  <a:cubicBezTo>
+                    <a:pt x="1662" y="10475"/>
+                    <a:pt x="1118" y="0"/>
+                    <a:pt x="2788" y="0"/>
+                  </a:cubicBezTo>
+                  <a:lnTo>
+                    <a:pt x="3615" y="0"/>
+                  </a:lnTo>
+                  <a:close/>
+                </a:path>
+              </a:pathLst>
+            </a:custGeom>
+            <a:solidFill>
+              <a:schemeClr val="bg1">
+                <a:lumMod val="65000"/>
+              </a:schemeClr>
+            </a:solidFill>
+            <a:ln>
+              <a:noFill/>
+            </a:ln>
+            <a:extLst>
+              <a:ext uri="{91240B29-F687-4f45-9708-019B960494DF}">
+                <a14:hiddenLine xmlns:a14="http://schemas.microsoft.com/office/drawing/2010/main" w="6350">
+                  <a:solidFill>
+                    <a:srgbClr val="FF6600"/>
+                  </a:solidFill>
+                  <a:round/>
+                  <a:headEnd/>
+                  <a:tailEnd/>
+                </a14:hiddenLine>
+              </a:ext>
+            </a:extLst>
+          </p:spPr>
+          <p:txBody>
+            <a:bodyPr/>
+            <a:lstStyle/>
+            <a:p>
+              <a:endParaRPr lang="en-US">
+                <a:solidFill>
+                  <a:schemeClr val="bg1">
+                    <a:lumMod val="65000"/>
+                  </a:schemeClr>
+                </a:solidFill>
+              </a:endParaRPr>
+            </a:p>
+          </p:txBody>
+        </p:sp>
+        <p:sp>
+          <p:nvSpPr>
+            <p:cNvPr id="101" name="Freeform 10"/>
+            <p:cNvSpPr>
+              <a:spLocks noChangeAspect="1"/>
+            </p:cNvSpPr>
+            <p:nvPr/>
+          </p:nvSpPr>
+          <p:spPr bwMode="auto">
+            <a:xfrm>
+              <a:off x="1169" y="3505"/>
+              <a:ext cx="114" cy="287"/>
+            </a:xfrm>
+            <a:custGeom>
+              <a:avLst/>
+              <a:gdLst>
+                <a:gd name="T0" fmla="*/ 0 w 3615"/>
+                <a:gd name="T1" fmla="*/ 0 h 10500"/>
+                <a:gd name="T2" fmla="*/ 0 w 3615"/>
+                <a:gd name="T3" fmla="*/ 0 h 10500"/>
+                <a:gd name="T4" fmla="*/ 0 w 3615"/>
+                <a:gd name="T5" fmla="*/ 0 h 10500"/>
+                <a:gd name="T6" fmla="*/ 0 w 3615"/>
+                <a:gd name="T7" fmla="*/ 0 h 10500"/>
+                <a:gd name="T8" fmla="*/ 0 w 3615"/>
+                <a:gd name="T9" fmla="*/ 0 h 10500"/>
+                <a:gd name="T10" fmla="*/ 0 60000 65536"/>
+                <a:gd name="T11" fmla="*/ 0 60000 65536"/>
+                <a:gd name="T12" fmla="*/ 0 60000 65536"/>
+                <a:gd name="T13" fmla="*/ 0 60000 65536"/>
+                <a:gd name="T14" fmla="*/ 0 60000 65536"/>
+                <a:gd name="T15" fmla="*/ 0 w 3615"/>
+                <a:gd name="T16" fmla="*/ 0 h 10500"/>
+                <a:gd name="T17" fmla="*/ 3615 w 3615"/>
+                <a:gd name="T18" fmla="*/ 10500 h 10500"/>
+              </a:gdLst>
+              <a:ahLst/>
+              <a:cxnLst>
+                <a:cxn ang="T10">
+                  <a:pos x="T0" y="T1"/>
+                </a:cxn>
+                <a:cxn ang="T11">
+                  <a:pos x="T2" y="T3"/>
+                </a:cxn>
+                <a:cxn ang="T12">
+                  <a:pos x="T4" y="T5"/>
+                </a:cxn>
+                <a:cxn ang="T13">
+                  <a:pos x="T6" y="T7"/>
+                </a:cxn>
+                <a:cxn ang="T14">
+                  <a:pos x="T8" y="T9"/>
+                </a:cxn>
+              </a:cxnLst>
+              <a:rect l="T15" t="T16" r="T17" b="T18"/>
+              <a:pathLst>
+                <a:path w="3615" h="10500">
+                  <a:moveTo>
+                    <a:pt x="3615" y="0"/>
+                  </a:moveTo>
+                  <a:cubicBezTo>
+                    <a:pt x="1941" y="0"/>
+                    <a:pt x="2489" y="10500"/>
+                    <a:pt x="827" y="10500"/>
+                  </a:cubicBezTo>
+                  <a:cubicBezTo>
+                    <a:pt x="0" y="10500"/>
+                    <a:pt x="0" y="10500"/>
+                    <a:pt x="0" y="10500"/>
+                  </a:cubicBezTo>
+                  <a:cubicBezTo>
+                    <a:pt x="1662" y="10500"/>
+                    <a:pt x="1117" y="0"/>
+                    <a:pt x="2788" y="0"/>
+                  </a:cubicBezTo>
+                  <a:lnTo>
+                    <a:pt x="3615" y="0"/>
+                  </a:lnTo>
+                  <a:close/>
+                </a:path>
+              </a:pathLst>
+            </a:custGeom>
+            <a:solidFill>
+              <a:schemeClr val="tx1">
+                <a:lumMod val="50000"/>
+                <a:lumOff val="50000"/>
+              </a:schemeClr>
+            </a:solidFill>
+            <a:ln>
+              <a:noFill/>
+            </a:ln>
+            <a:extLst>
+              <a:ext uri="{91240B29-F687-4f45-9708-019B960494DF}">
+                <a14:hiddenLine xmlns:a14="http://schemas.microsoft.com/office/drawing/2010/main" w="6350">
+                  <a:solidFill>
+                    <a:srgbClr val="3366FF"/>
+                  </a:solidFill>
+                  <a:round/>
+                  <a:headEnd/>
+                  <a:tailEnd/>
+                </a14:hiddenLine>
+              </a:ext>
+            </a:extLst>
+          </p:spPr>
+          <p:txBody>
+            <a:bodyPr/>
+            <a:lstStyle/>
+            <a:p>
+              <a:endParaRPr lang="en-US"/>
+            </a:p>
+          </p:txBody>
+        </p:sp>
+        <p:sp>
+          <p:nvSpPr>
+            <p:cNvPr id="102" name="Freeform 9"/>
+            <p:cNvSpPr>
+              <a:spLocks noChangeAspect="1"/>
+            </p:cNvSpPr>
+            <p:nvPr/>
+          </p:nvSpPr>
+          <p:spPr bwMode="auto">
+            <a:xfrm>
+              <a:off x="1256" y="3505"/>
+              <a:ext cx="113" cy="287"/>
+            </a:xfrm>
+            <a:custGeom>
+              <a:avLst/>
+              <a:gdLst>
+                <a:gd name="T0" fmla="*/ 0 w 3615"/>
+                <a:gd name="T1" fmla="*/ 0 h 10475"/>
+                <a:gd name="T2" fmla="*/ 0 w 3615"/>
+                <a:gd name="T3" fmla="*/ 0 h 10475"/>
+                <a:gd name="T4" fmla="*/ 0 w 3615"/>
+                <a:gd name="T5" fmla="*/ 0 h 10475"/>
+                <a:gd name="T6" fmla="*/ 0 w 3615"/>
+                <a:gd name="T7" fmla="*/ 0 h 10475"/>
+                <a:gd name="T8" fmla="*/ 0 w 3615"/>
+                <a:gd name="T9" fmla="*/ 0 h 10475"/>
+                <a:gd name="T10" fmla="*/ 0 60000 65536"/>
+                <a:gd name="T11" fmla="*/ 0 60000 65536"/>
+                <a:gd name="T12" fmla="*/ 0 60000 65536"/>
+                <a:gd name="T13" fmla="*/ 0 60000 65536"/>
+                <a:gd name="T14" fmla="*/ 0 60000 65536"/>
+                <a:gd name="T15" fmla="*/ 0 w 3615"/>
+                <a:gd name="T16" fmla="*/ 0 h 10475"/>
+                <a:gd name="T17" fmla="*/ 3615 w 3615"/>
+                <a:gd name="T18" fmla="*/ 10475 h 10475"/>
+              </a:gdLst>
+              <a:ahLst/>
+              <a:cxnLst>
+                <a:cxn ang="T10">
+                  <a:pos x="T0" y="T1"/>
+                </a:cxn>
+                <a:cxn ang="T11">
+                  <a:pos x="T2" y="T3"/>
+                </a:cxn>
+                <a:cxn ang="T12">
+                  <a:pos x="T4" y="T5"/>
+                </a:cxn>
+                <a:cxn ang="T13">
+                  <a:pos x="T6" y="T7"/>
+                </a:cxn>
+                <a:cxn ang="T14">
+                  <a:pos x="T8" y="T9"/>
+                </a:cxn>
+              </a:cxnLst>
+              <a:rect l="T15" t="T16" r="T17" b="T18"/>
+              <a:pathLst>
+                <a:path w="3615" h="10475">
+                  <a:moveTo>
+                    <a:pt x="3615" y="0"/>
+                  </a:moveTo>
+                  <a:cubicBezTo>
+                    <a:pt x="1942" y="0"/>
+                    <a:pt x="2489" y="10475"/>
+                    <a:pt x="827" y="10475"/>
+                  </a:cubicBezTo>
+                  <a:cubicBezTo>
+                    <a:pt x="0" y="10475"/>
+                    <a:pt x="0" y="10475"/>
+                    <a:pt x="0" y="10475"/>
+                  </a:cubicBezTo>
+                  <a:cubicBezTo>
+                    <a:pt x="1662" y="10475"/>
+                    <a:pt x="1118" y="0"/>
+                    <a:pt x="2788" y="0"/>
+                  </a:cubicBezTo>
+                  <a:lnTo>
+                    <a:pt x="3615" y="0"/>
+                  </a:lnTo>
+                  <a:close/>
+                </a:path>
+              </a:pathLst>
+            </a:custGeom>
+            <a:solidFill>
+              <a:schemeClr val="bg1">
+                <a:lumMod val="65000"/>
+              </a:schemeClr>
+            </a:solidFill>
+            <a:ln>
+              <a:noFill/>
+            </a:ln>
+            <a:extLst>
+              <a:ext uri="{91240B29-F687-4f45-9708-019B960494DF}">
+                <a14:hiddenLine xmlns:a14="http://schemas.microsoft.com/office/drawing/2010/main" w="6350">
+                  <a:solidFill>
+                    <a:srgbClr val="FF6600"/>
+                  </a:solidFill>
+                  <a:round/>
+                  <a:headEnd/>
+                  <a:tailEnd/>
+                </a14:hiddenLine>
+              </a:ext>
+            </a:extLst>
+          </p:spPr>
+          <p:txBody>
+            <a:bodyPr/>
+            <a:lstStyle/>
+            <a:p>
+              <a:endParaRPr lang="en-US"/>
+            </a:p>
+          </p:txBody>
+        </p:sp>
+        <p:sp>
+          <p:nvSpPr>
+            <p:cNvPr id="103" name="Freeform 8"/>
+            <p:cNvSpPr>
+              <a:spLocks noChangeAspect="1"/>
+            </p:cNvSpPr>
+            <p:nvPr/>
+          </p:nvSpPr>
+          <p:spPr bwMode="auto">
+            <a:xfrm>
+              <a:off x="1169" y="3505"/>
+              <a:ext cx="114" cy="287"/>
+            </a:xfrm>
+            <a:custGeom>
+              <a:avLst/>
+              <a:gdLst>
+                <a:gd name="T0" fmla="*/ 0 w 3607"/>
+                <a:gd name="T1" fmla="*/ 0 h 10500"/>
+                <a:gd name="T2" fmla="*/ 0 w 3607"/>
+                <a:gd name="T3" fmla="*/ 0 h 10500"/>
+                <a:gd name="T4" fmla="*/ 0 w 3607"/>
+                <a:gd name="T5" fmla="*/ 0 h 10500"/>
+                <a:gd name="T6" fmla="*/ 0 w 3607"/>
+                <a:gd name="T7" fmla="*/ 0 h 10500"/>
+                <a:gd name="T8" fmla="*/ 0 w 3607"/>
+                <a:gd name="T9" fmla="*/ 0 h 10500"/>
+                <a:gd name="T10" fmla="*/ 0 60000 65536"/>
+                <a:gd name="T11" fmla="*/ 0 60000 65536"/>
+                <a:gd name="T12" fmla="*/ 0 60000 65536"/>
+                <a:gd name="T13" fmla="*/ 0 60000 65536"/>
+                <a:gd name="T14" fmla="*/ 0 60000 65536"/>
+                <a:gd name="T15" fmla="*/ 0 w 3607"/>
+                <a:gd name="T16" fmla="*/ 0 h 10500"/>
+                <a:gd name="T17" fmla="*/ 3607 w 3607"/>
+                <a:gd name="T18" fmla="*/ 10500 h 10500"/>
+              </a:gdLst>
+              <a:ahLst/>
+              <a:cxnLst>
+                <a:cxn ang="T10">
+                  <a:pos x="T0" y="T1"/>
+                </a:cxn>
+                <a:cxn ang="T11">
+                  <a:pos x="T2" y="T3"/>
+                </a:cxn>
+                <a:cxn ang="T12">
+                  <a:pos x="T4" y="T5"/>
+                </a:cxn>
+                <a:cxn ang="T13">
+                  <a:pos x="T6" y="T7"/>
+                </a:cxn>
+                <a:cxn ang="T14">
+                  <a:pos x="T8" y="T9"/>
+                </a:cxn>
+              </a:cxnLst>
+              <a:rect l="T15" t="T16" r="T17" b="T18"/>
+              <a:pathLst>
+                <a:path w="3607" h="10500">
+                  <a:moveTo>
+                    <a:pt x="3607" y="10500"/>
+                  </a:moveTo>
+                  <a:cubicBezTo>
+                    <a:pt x="1937" y="10500"/>
+                    <a:pt x="2484" y="0"/>
+                    <a:pt x="825" y="0"/>
+                  </a:cubicBezTo>
+                  <a:cubicBezTo>
+                    <a:pt x="0" y="0"/>
+                    <a:pt x="0" y="0"/>
+                    <a:pt x="0" y="0"/>
+                  </a:cubicBezTo>
+                  <a:cubicBezTo>
+                    <a:pt x="1659" y="0"/>
+                    <a:pt x="1115" y="10500"/>
+                    <a:pt x="2782" y="10500"/>
+                  </a:cubicBezTo>
+                  <a:lnTo>
+                    <a:pt x="3607" y="10500"/>
+                  </a:lnTo>
+                  <a:close/>
+                </a:path>
+              </a:pathLst>
+            </a:custGeom>
+            <a:solidFill>
+              <a:schemeClr val="bg1">
+                <a:lumMod val="65000"/>
+              </a:schemeClr>
+            </a:solidFill>
+            <a:ln>
+              <a:noFill/>
+            </a:ln>
+            <a:extLst>
+              <a:ext uri="{91240B29-F687-4f45-9708-019B960494DF}">
+                <a14:hiddenLine xmlns:a14="http://schemas.microsoft.com/office/drawing/2010/main" w="6350">
+                  <a:solidFill>
+                    <a:srgbClr val="FF6600"/>
+                  </a:solidFill>
+                  <a:round/>
+                  <a:headEnd/>
+                  <a:tailEnd/>
+                </a14:hiddenLine>
+              </a:ext>
+            </a:extLst>
+          </p:spPr>
+          <p:txBody>
+            <a:bodyPr/>
+            <a:lstStyle/>
+            <a:p>
+              <a:endParaRPr lang="en-US">
+                <a:solidFill>
+                  <a:schemeClr val="bg1">
+                    <a:lumMod val="65000"/>
+                  </a:schemeClr>
+                </a:solidFill>
+              </a:endParaRPr>
+            </a:p>
+          </p:txBody>
+        </p:sp>
+        <p:sp>
+          <p:nvSpPr>
+            <p:cNvPr id="104" name="Freeform 8"/>
+            <p:cNvSpPr>
+              <a:spLocks noChangeAspect="1"/>
+            </p:cNvSpPr>
+            <p:nvPr/>
+          </p:nvSpPr>
+          <p:spPr bwMode="auto">
+            <a:xfrm>
+              <a:off x="1344" y="3505"/>
+              <a:ext cx="113" cy="287"/>
+            </a:xfrm>
+            <a:custGeom>
+              <a:avLst/>
+              <a:gdLst>
+                <a:gd name="T0" fmla="*/ 0 w 3607"/>
+                <a:gd name="T1" fmla="*/ 0 h 10500"/>
+                <a:gd name="T2" fmla="*/ 0 w 3607"/>
+                <a:gd name="T3" fmla="*/ 0 h 10500"/>
+                <a:gd name="T4" fmla="*/ 0 w 3607"/>
+                <a:gd name="T5" fmla="*/ 0 h 10500"/>
+                <a:gd name="T6" fmla="*/ 0 w 3607"/>
+                <a:gd name="T7" fmla="*/ 0 h 10500"/>
+                <a:gd name="T8" fmla="*/ 0 w 3607"/>
+                <a:gd name="T9" fmla="*/ 0 h 10500"/>
+                <a:gd name="T10" fmla="*/ 0 60000 65536"/>
+                <a:gd name="T11" fmla="*/ 0 60000 65536"/>
+                <a:gd name="T12" fmla="*/ 0 60000 65536"/>
+                <a:gd name="T13" fmla="*/ 0 60000 65536"/>
+                <a:gd name="T14" fmla="*/ 0 60000 65536"/>
+                <a:gd name="T15" fmla="*/ 0 w 3607"/>
+                <a:gd name="T16" fmla="*/ 0 h 10500"/>
+                <a:gd name="T17" fmla="*/ 3607 w 3607"/>
+                <a:gd name="T18" fmla="*/ 10500 h 10500"/>
+              </a:gdLst>
+              <a:ahLst/>
+              <a:cxnLst>
+                <a:cxn ang="T10">
+                  <a:pos x="T0" y="T1"/>
+                </a:cxn>
+                <a:cxn ang="T11">
+                  <a:pos x="T2" y="T3"/>
+                </a:cxn>
+                <a:cxn ang="T12">
+                  <a:pos x="T4" y="T5"/>
+                </a:cxn>
+                <a:cxn ang="T13">
+                  <a:pos x="T6" y="T7"/>
+                </a:cxn>
+                <a:cxn ang="T14">
+                  <a:pos x="T8" y="T9"/>
+                </a:cxn>
+              </a:cxnLst>
+              <a:rect l="T15" t="T16" r="T17" b="T18"/>
+              <a:pathLst>
+                <a:path w="3607" h="10500">
+                  <a:moveTo>
+                    <a:pt x="3607" y="10500"/>
+                  </a:moveTo>
+                  <a:cubicBezTo>
+                    <a:pt x="1937" y="10500"/>
+                    <a:pt x="2484" y="0"/>
+                    <a:pt x="825" y="0"/>
+                  </a:cubicBezTo>
+                  <a:cubicBezTo>
+                    <a:pt x="0" y="0"/>
+                    <a:pt x="0" y="0"/>
+                    <a:pt x="0" y="0"/>
+                  </a:cubicBezTo>
+                  <a:cubicBezTo>
+                    <a:pt x="1659" y="0"/>
+                    <a:pt x="1115" y="10500"/>
+                    <a:pt x="2782" y="10500"/>
+                  </a:cubicBezTo>
+                  <a:lnTo>
+                    <a:pt x="3607" y="10500"/>
+                  </a:lnTo>
+                  <a:close/>
+                </a:path>
+              </a:pathLst>
+            </a:custGeom>
+            <a:solidFill>
+              <a:schemeClr val="bg1">
+                <a:lumMod val="65000"/>
+              </a:schemeClr>
+            </a:solidFill>
+            <a:ln>
+              <a:noFill/>
+            </a:ln>
+            <a:extLst>
+              <a:ext uri="{91240B29-F687-4f45-9708-019B960494DF}">
+                <a14:hiddenLine xmlns:a14="http://schemas.microsoft.com/office/drawing/2010/main" w="6350">
+                  <a:solidFill>
+                    <a:srgbClr val="FF6600"/>
+                  </a:solidFill>
+                  <a:round/>
+                  <a:headEnd/>
+                  <a:tailEnd/>
+                </a14:hiddenLine>
+              </a:ext>
+            </a:extLst>
+          </p:spPr>
+          <p:txBody>
+            <a:bodyPr/>
+            <a:lstStyle/>
+            <a:p>
+              <a:endParaRPr lang="en-US">
+                <a:solidFill>
+                  <a:schemeClr val="bg1">
+                    <a:lumMod val="65000"/>
+                  </a:schemeClr>
+                </a:solidFill>
+              </a:endParaRPr>
+            </a:p>
+          </p:txBody>
+        </p:sp>
+        <p:sp>
+          <p:nvSpPr>
+            <p:cNvPr id="105" name="Freeform 7"/>
+            <p:cNvSpPr>
+              <a:spLocks noChangeAspect="1"/>
+            </p:cNvSpPr>
+            <p:nvPr/>
+          </p:nvSpPr>
+          <p:spPr bwMode="auto">
+            <a:xfrm>
+              <a:off x="1430" y="3505"/>
+              <a:ext cx="114" cy="286"/>
+            </a:xfrm>
+            <a:custGeom>
+              <a:avLst/>
+              <a:gdLst>
+                <a:gd name="T0" fmla="*/ 0 w 3607"/>
+                <a:gd name="T1" fmla="*/ 0 h 10475"/>
+                <a:gd name="T2" fmla="*/ 0 w 3607"/>
+                <a:gd name="T3" fmla="*/ 0 h 10475"/>
+                <a:gd name="T4" fmla="*/ 0 w 3607"/>
+                <a:gd name="T5" fmla="*/ 0 h 10475"/>
+                <a:gd name="T6" fmla="*/ 0 w 3607"/>
+                <a:gd name="T7" fmla="*/ 0 h 10475"/>
+                <a:gd name="T8" fmla="*/ 0 w 3607"/>
+                <a:gd name="T9" fmla="*/ 0 h 10475"/>
+                <a:gd name="T10" fmla="*/ 0 60000 65536"/>
+                <a:gd name="T11" fmla="*/ 0 60000 65536"/>
+                <a:gd name="T12" fmla="*/ 0 60000 65536"/>
+                <a:gd name="T13" fmla="*/ 0 60000 65536"/>
+                <a:gd name="T14" fmla="*/ 0 60000 65536"/>
+                <a:gd name="T15" fmla="*/ 0 w 3607"/>
+                <a:gd name="T16" fmla="*/ 0 h 10475"/>
+                <a:gd name="T17" fmla="*/ 3607 w 3607"/>
+                <a:gd name="T18" fmla="*/ 10475 h 10475"/>
+              </a:gdLst>
+              <a:ahLst/>
+              <a:cxnLst>
+                <a:cxn ang="T10">
+                  <a:pos x="T0" y="T1"/>
+                </a:cxn>
+                <a:cxn ang="T11">
+                  <a:pos x="T2" y="T3"/>
+                </a:cxn>
+                <a:cxn ang="T12">
+                  <a:pos x="T4" y="T5"/>
+                </a:cxn>
+                <a:cxn ang="T13">
+                  <a:pos x="T6" y="T7"/>
+                </a:cxn>
+                <a:cxn ang="T14">
+                  <a:pos x="T8" y="T9"/>
+                </a:cxn>
+              </a:cxnLst>
+              <a:rect l="T15" t="T16" r="T17" b="T18"/>
+              <a:pathLst>
+                <a:path w="3607" h="10475">
+                  <a:moveTo>
+                    <a:pt x="3607" y="10475"/>
+                  </a:moveTo>
+                  <a:cubicBezTo>
+                    <a:pt x="1937" y="10475"/>
+                    <a:pt x="2484" y="0"/>
+                    <a:pt x="825" y="0"/>
+                  </a:cubicBezTo>
+                  <a:cubicBezTo>
+                    <a:pt x="0" y="0"/>
+                    <a:pt x="0" y="0"/>
+                    <a:pt x="0" y="0"/>
+                  </a:cubicBezTo>
+                  <a:cubicBezTo>
+                    <a:pt x="1659" y="0"/>
+                    <a:pt x="1115" y="10475"/>
+                    <a:pt x="2782" y="10475"/>
+                  </a:cubicBezTo>
+                  <a:lnTo>
+                    <a:pt x="3607" y="10475"/>
+                  </a:lnTo>
+                  <a:close/>
+                </a:path>
+              </a:pathLst>
+            </a:custGeom>
+            <a:solidFill>
+              <a:schemeClr val="tx1">
+                <a:lumMod val="50000"/>
+                <a:lumOff val="50000"/>
+              </a:schemeClr>
+            </a:solidFill>
+            <a:ln>
+              <a:noFill/>
+            </a:ln>
+            <a:extLst>
+              <a:ext uri="{91240B29-F687-4f45-9708-019B960494DF}">
+                <a14:hiddenLine xmlns:a14="http://schemas.microsoft.com/office/drawing/2010/main" w="6350">
+                  <a:solidFill>
+                    <a:srgbClr val="3366FF"/>
+                  </a:solidFill>
+                  <a:round/>
+                  <a:headEnd/>
+                  <a:tailEnd/>
+                </a14:hiddenLine>
+              </a:ext>
+            </a:extLst>
+          </p:spPr>
+          <p:txBody>
+            <a:bodyPr/>
+            <a:lstStyle/>
+            <a:p>
+              <a:endParaRPr lang="en-US"/>
+            </a:p>
+          </p:txBody>
+        </p:sp>
+        <p:sp>
+          <p:nvSpPr>
+            <p:cNvPr id="106" name="Freeform 7"/>
+            <p:cNvSpPr>
+              <a:spLocks noChangeAspect="1"/>
+            </p:cNvSpPr>
+            <p:nvPr/>
+          </p:nvSpPr>
+          <p:spPr bwMode="auto">
+            <a:xfrm>
+              <a:off x="1256" y="3505"/>
+              <a:ext cx="113" cy="286"/>
+            </a:xfrm>
+            <a:custGeom>
+              <a:avLst/>
+              <a:gdLst>
+                <a:gd name="T0" fmla="*/ 0 w 3607"/>
+                <a:gd name="T1" fmla="*/ 0 h 10475"/>
+                <a:gd name="T2" fmla="*/ 0 w 3607"/>
+                <a:gd name="T3" fmla="*/ 0 h 10475"/>
+                <a:gd name="T4" fmla="*/ 0 w 3607"/>
+                <a:gd name="T5" fmla="*/ 0 h 10475"/>
+                <a:gd name="T6" fmla="*/ 0 w 3607"/>
+                <a:gd name="T7" fmla="*/ 0 h 10475"/>
+                <a:gd name="T8" fmla="*/ 0 w 3607"/>
+                <a:gd name="T9" fmla="*/ 0 h 10475"/>
+                <a:gd name="T10" fmla="*/ 0 60000 65536"/>
+                <a:gd name="T11" fmla="*/ 0 60000 65536"/>
+                <a:gd name="T12" fmla="*/ 0 60000 65536"/>
+                <a:gd name="T13" fmla="*/ 0 60000 65536"/>
+                <a:gd name="T14" fmla="*/ 0 60000 65536"/>
+                <a:gd name="T15" fmla="*/ 0 w 3607"/>
+                <a:gd name="T16" fmla="*/ 0 h 10475"/>
+                <a:gd name="T17" fmla="*/ 3607 w 3607"/>
+                <a:gd name="T18" fmla="*/ 10475 h 10475"/>
+              </a:gdLst>
+              <a:ahLst/>
+              <a:cxnLst>
+                <a:cxn ang="T10">
+                  <a:pos x="T0" y="T1"/>
+                </a:cxn>
+                <a:cxn ang="T11">
+                  <a:pos x="T2" y="T3"/>
+                </a:cxn>
+                <a:cxn ang="T12">
+                  <a:pos x="T4" y="T5"/>
+                </a:cxn>
+                <a:cxn ang="T13">
+                  <a:pos x="T6" y="T7"/>
+                </a:cxn>
+                <a:cxn ang="T14">
+                  <a:pos x="T8" y="T9"/>
+                </a:cxn>
+              </a:cxnLst>
+              <a:rect l="T15" t="T16" r="T17" b="T18"/>
+              <a:pathLst>
+                <a:path w="3607" h="10475">
+                  <a:moveTo>
+                    <a:pt x="3607" y="10475"/>
+                  </a:moveTo>
+                  <a:cubicBezTo>
+                    <a:pt x="1937" y="10475"/>
+                    <a:pt x="2484" y="0"/>
+                    <a:pt x="825" y="0"/>
+                  </a:cubicBezTo>
+                  <a:cubicBezTo>
+                    <a:pt x="0" y="0"/>
+                    <a:pt x="0" y="0"/>
+                    <a:pt x="0" y="0"/>
+                  </a:cubicBezTo>
+                  <a:cubicBezTo>
+                    <a:pt x="1659" y="0"/>
+                    <a:pt x="1115" y="10475"/>
+                    <a:pt x="2782" y="10475"/>
+                  </a:cubicBezTo>
+                  <a:lnTo>
+                    <a:pt x="3607" y="10475"/>
+                  </a:lnTo>
+                  <a:close/>
+                </a:path>
+              </a:pathLst>
+            </a:custGeom>
+            <a:solidFill>
+              <a:schemeClr val="tx1">
+                <a:lumMod val="50000"/>
+                <a:lumOff val="50000"/>
+              </a:schemeClr>
+            </a:solidFill>
+            <a:ln>
+              <a:noFill/>
+            </a:ln>
+            <a:extLst>
+              <a:ext uri="{91240B29-F687-4f45-9708-019B960494DF}">
+                <a14:hiddenLine xmlns:a14="http://schemas.microsoft.com/office/drawing/2010/main" w="6350">
+                  <a:solidFill>
+                    <a:srgbClr val="3366FF"/>
+                  </a:solidFill>
+                  <a:round/>
+                  <a:headEnd/>
+                  <a:tailEnd/>
+                </a14:hiddenLine>
+              </a:ext>
+            </a:extLst>
+          </p:spPr>
+          <p:txBody>
+            <a:bodyPr/>
+            <a:lstStyle/>
+            <a:p>
+              <a:endParaRPr lang="en-US">
+                <a:solidFill>
+                  <a:schemeClr val="bg1">
+                    <a:lumMod val="65000"/>
+                  </a:schemeClr>
+                </a:solidFill>
+              </a:endParaRPr>
+            </a:p>
+          </p:txBody>
+        </p:sp>
+      </p:grpSp>
+      <p:sp>
+        <p:nvSpPr>
+          <p:cNvPr id="107" name="TextBox 106"/>
+          <p:cNvSpPr txBox="1"/>
+          <p:nvPr/>
+        </p:nvSpPr>
+        <p:spPr>
+          <a:xfrm>
+            <a:off x="11294082" y="12856337"/>
+            <a:ext cx="5148742" cy="400105"/>
+          </a:xfrm>
+          <a:prstGeom prst="rect">
+            <a:avLst/>
+          </a:prstGeom>
+          <a:solidFill>
+            <a:schemeClr val="tx1"/>
+          </a:solidFill>
+        </p:spPr>
+        <p:txBody>
+          <a:bodyPr wrap="square" lIns="91436" tIns="45718" rIns="91436" bIns="45718" rtlCol="0">
+            <a:spAutoFit/>
+          </a:bodyPr>
+          <a:lstStyle/>
+          <a:p>
+            <a:endParaRPr lang="en-US" sz="2000" b="1" dirty="0" smtClean="0">
+              <a:solidFill>
+                <a:srgbClr val="4F81BD"/>
+              </a:solidFill>
+              <a:latin typeface="Courier New"/>
+              <a:cs typeface="Courier New"/>
+            </a:endParaRPr>
+          </a:p>
+        </p:txBody>
+      </p:sp>
+      <p:sp>
+        <p:nvSpPr>
+          <p:cNvPr id="108" name="TextBox 107"/>
+          <p:cNvSpPr txBox="1"/>
+          <p:nvPr/>
+        </p:nvSpPr>
+        <p:spPr>
+          <a:xfrm>
+            <a:off x="5753006" y="12565253"/>
+            <a:ext cx="4916772" cy="4401201"/>
+          </a:xfrm>
+          <a:prstGeom prst="rect">
+            <a:avLst/>
+          </a:prstGeom>
+          <a:noFill/>
+        </p:spPr>
+        <p:txBody>
+          <a:bodyPr wrap="none" lIns="91436" tIns="45718" rIns="91436" bIns="45718" rtlCol="0">
+            <a:spAutoFit/>
+          </a:bodyPr>
+          <a:lstStyle/>
+          <a:p>
+            <a:pPr algn="r"/>
+            <a:r>
+              <a:rPr lang="en-US" sz="4000" b="1" dirty="0" smtClean="0">
+                <a:latin typeface="Courier New"/>
+                <a:cs typeface="Courier New"/>
+              </a:rPr>
+              <a:t>S1</a:t>
+            </a:r>
+          </a:p>
+          <a:p>
+            <a:pPr algn="r"/>
+            <a:endParaRPr lang="en-US" sz="4000" b="1" dirty="0">
+              <a:latin typeface="Courier New"/>
+              <a:cs typeface="Courier New"/>
+            </a:endParaRPr>
+          </a:p>
+          <a:p>
+            <a:pPr algn="r"/>
+            <a:r>
+              <a:rPr lang="en-US" sz="4000" b="1" dirty="0" smtClean="0">
+                <a:latin typeface="Courier New"/>
+                <a:cs typeface="Courier New"/>
+              </a:rPr>
+              <a:t>S2</a:t>
+            </a:r>
+          </a:p>
+          <a:p>
+            <a:pPr algn="r"/>
+            <a:endParaRPr lang="en-US" sz="4000" b="1" dirty="0">
+              <a:latin typeface="Courier New"/>
+              <a:cs typeface="Courier New"/>
+            </a:endParaRPr>
+          </a:p>
+          <a:p>
+            <a:pPr algn="r"/>
+            <a:r>
+              <a:rPr lang="en-US" sz="4000" b="1" dirty="0" smtClean="0">
+                <a:latin typeface="Courier New"/>
+                <a:cs typeface="Courier New"/>
+              </a:rPr>
+              <a:t>S3</a:t>
+            </a:r>
+          </a:p>
+          <a:p>
+            <a:pPr algn="r"/>
+            <a:endParaRPr lang="en-US" sz="4000" b="1" dirty="0">
+              <a:latin typeface="Courier New"/>
+              <a:cs typeface="Courier New"/>
+            </a:endParaRPr>
+          </a:p>
+          <a:p>
+            <a:pPr algn="r"/>
+            <a:r>
+              <a:rPr lang="en-US" sz="4000" b="1" dirty="0" smtClean="0">
+                <a:latin typeface="Courier New"/>
+                <a:cs typeface="Courier New"/>
+              </a:rPr>
+              <a:t>S4</a:t>
+            </a:r>
+            <a:endParaRPr lang="en-US" sz="4000" b="1" dirty="0" smtClean="0">
+              <a:latin typeface="Courier New"/>
+              <a:cs typeface="Courier New"/>
+            </a:endParaRPr>
+          </a:p>
+        </p:txBody>
+      </p:sp>
+      <p:sp>
+        <p:nvSpPr>
+          <p:cNvPr id="109" name="TextBox 108"/>
+          <p:cNvSpPr txBox="1"/>
+          <p:nvPr/>
+        </p:nvSpPr>
+        <p:spPr>
+          <a:xfrm>
+            <a:off x="11259176" y="13961266"/>
+            <a:ext cx="5148742" cy="400105"/>
+          </a:xfrm>
+          <a:prstGeom prst="rect">
+            <a:avLst/>
+          </a:prstGeom>
+          <a:solidFill>
+            <a:schemeClr val="tx1"/>
+          </a:solidFill>
+        </p:spPr>
+        <p:txBody>
+          <a:bodyPr wrap="square" lIns="91436" tIns="45718" rIns="91436" bIns="45718" rtlCol="0">
+            <a:spAutoFit/>
+          </a:bodyPr>
+          <a:lstStyle/>
+          <a:p>
+            <a:endParaRPr lang="en-US" sz="2000" b="1" dirty="0" smtClean="0">
+              <a:solidFill>
+                <a:srgbClr val="4F81BD"/>
+              </a:solidFill>
+              <a:latin typeface="Courier New"/>
+              <a:cs typeface="Courier New"/>
+            </a:endParaRPr>
+          </a:p>
+        </p:txBody>
+      </p:sp>
+      <p:sp>
+        <p:nvSpPr>
+          <p:cNvPr id="110" name="TextBox 109"/>
+          <p:cNvSpPr txBox="1"/>
+          <p:nvPr/>
+        </p:nvSpPr>
+        <p:spPr>
+          <a:xfrm>
+            <a:off x="11294082" y="15088400"/>
+            <a:ext cx="3624725" cy="400105"/>
+          </a:xfrm>
+          <a:prstGeom prst="rect">
+            <a:avLst/>
+          </a:prstGeom>
+          <a:solidFill>
+            <a:schemeClr val="tx1"/>
+          </a:solidFill>
+        </p:spPr>
+        <p:txBody>
+          <a:bodyPr wrap="square" lIns="91436" tIns="45718" rIns="91436" bIns="45718" rtlCol="0">
+            <a:spAutoFit/>
+          </a:bodyPr>
+          <a:lstStyle/>
+          <a:p>
+            <a:endParaRPr lang="en-US" sz="2000" b="1" dirty="0" smtClean="0">
+              <a:solidFill>
+                <a:srgbClr val="4F81BD"/>
+              </a:solidFill>
+              <a:latin typeface="Courier New"/>
+              <a:cs typeface="Courier New"/>
+            </a:endParaRPr>
+          </a:p>
+        </p:txBody>
+      </p:sp>
+      <p:sp>
+        <p:nvSpPr>
+          <p:cNvPr id="111" name="TextBox 110"/>
+          <p:cNvSpPr txBox="1"/>
+          <p:nvPr/>
+        </p:nvSpPr>
+        <p:spPr>
+          <a:xfrm>
+            <a:off x="11336954" y="16320333"/>
+            <a:ext cx="3624725" cy="400105"/>
+          </a:xfrm>
+          <a:prstGeom prst="rect">
+            <a:avLst/>
+          </a:prstGeom>
+          <a:solidFill>
+            <a:schemeClr val="tx1"/>
+          </a:solidFill>
+        </p:spPr>
+        <p:txBody>
+          <a:bodyPr wrap="square" lIns="91436" tIns="45718" rIns="91436" bIns="45718" rtlCol="0">
+            <a:spAutoFit/>
+          </a:bodyPr>
+          <a:lstStyle/>
+          <a:p>
+            <a:endParaRPr lang="en-US" sz="2000" b="1" dirty="0" smtClean="0">
+              <a:solidFill>
+                <a:srgbClr val="4F81BD"/>
+              </a:solidFill>
+              <a:latin typeface="Courier New"/>
+              <a:cs typeface="Courier New"/>
+            </a:endParaRPr>
+          </a:p>
+        </p:txBody>
+      </p:sp>
+      <p:sp>
+        <p:nvSpPr>
+          <p:cNvPr id="112" name="TextBox 111"/>
+          <p:cNvSpPr txBox="1"/>
+          <p:nvPr/>
+        </p:nvSpPr>
+        <p:spPr>
+          <a:xfrm>
+            <a:off x="24782348" y="15088400"/>
+            <a:ext cx="3026813" cy="400105"/>
+          </a:xfrm>
+          <a:prstGeom prst="rect">
+            <a:avLst/>
+          </a:prstGeom>
+          <a:solidFill>
+            <a:schemeClr val="tx1"/>
+          </a:solidFill>
+        </p:spPr>
+        <p:txBody>
+          <a:bodyPr wrap="square" lIns="91436" tIns="45718" rIns="91436" bIns="45718" rtlCol="0">
+            <a:spAutoFit/>
+          </a:bodyPr>
+          <a:lstStyle/>
+          <a:p>
+            <a:endParaRPr lang="en-US" sz="2000" b="1" dirty="0" smtClean="0">
+              <a:solidFill>
+                <a:srgbClr val="4F81BD"/>
+              </a:solidFill>
+              <a:latin typeface="Courier New"/>
+              <a:cs typeface="Courier New"/>
+            </a:endParaRPr>
+          </a:p>
+        </p:txBody>
+      </p:sp>
+      <p:sp>
+        <p:nvSpPr>
+          <p:cNvPr id="114" name="TextBox 113"/>
+          <p:cNvSpPr txBox="1"/>
+          <p:nvPr/>
+        </p:nvSpPr>
+        <p:spPr>
+          <a:xfrm>
+            <a:off x="23262437" y="12850639"/>
+            <a:ext cx="5148742" cy="400105"/>
+          </a:xfrm>
+          <a:prstGeom prst="rect">
+            <a:avLst/>
+          </a:prstGeom>
+          <a:solidFill>
+            <a:schemeClr val="tx1"/>
+          </a:solidFill>
+        </p:spPr>
+        <p:txBody>
+          <a:bodyPr wrap="square" lIns="91436" tIns="45718" rIns="91436" bIns="45718" rtlCol="0">
+            <a:spAutoFit/>
+          </a:bodyPr>
+          <a:lstStyle/>
+          <a:p>
+            <a:endParaRPr lang="en-US" sz="2000" b="1" dirty="0" smtClean="0">
+              <a:solidFill>
+                <a:srgbClr val="4F81BD"/>
+              </a:solidFill>
+              <a:latin typeface="Courier New"/>
+              <a:cs typeface="Courier New"/>
+            </a:endParaRPr>
+          </a:p>
+        </p:txBody>
+      </p:sp>
+      <p:sp>
+        <p:nvSpPr>
+          <p:cNvPr id="115" name="TextBox 114"/>
+          <p:cNvSpPr txBox="1"/>
+          <p:nvPr/>
+        </p:nvSpPr>
+        <p:spPr>
+          <a:xfrm>
+            <a:off x="30095613" y="12850639"/>
+            <a:ext cx="5148742" cy="400105"/>
+          </a:xfrm>
+          <a:prstGeom prst="rect">
+            <a:avLst/>
+          </a:prstGeom>
+          <a:solidFill>
+            <a:schemeClr val="tx1"/>
+          </a:solidFill>
+        </p:spPr>
+        <p:txBody>
+          <a:bodyPr wrap="square" lIns="91436" tIns="45718" rIns="91436" bIns="45718" rtlCol="0">
+            <a:spAutoFit/>
+          </a:bodyPr>
+          <a:lstStyle/>
+          <a:p>
+            <a:endParaRPr lang="en-US" sz="2000" b="1" dirty="0" smtClean="0">
+              <a:solidFill>
+                <a:srgbClr val="4F81BD"/>
+              </a:solidFill>
+              <a:latin typeface="Courier New"/>
+              <a:cs typeface="Courier New"/>
+            </a:endParaRPr>
+          </a:p>
+        </p:txBody>
+      </p:sp>
+      <p:sp>
+        <p:nvSpPr>
+          <p:cNvPr id="116" name="TextBox 115"/>
+          <p:cNvSpPr txBox="1"/>
+          <p:nvPr/>
+        </p:nvSpPr>
+        <p:spPr>
+          <a:xfrm>
+            <a:off x="24782348" y="16120280"/>
+            <a:ext cx="9303714" cy="400105"/>
+          </a:xfrm>
+          <a:prstGeom prst="rect">
+            <a:avLst/>
+          </a:prstGeom>
+          <a:solidFill>
+            <a:schemeClr val="tx1"/>
+          </a:solidFill>
+        </p:spPr>
+        <p:txBody>
+          <a:bodyPr wrap="square" lIns="91436" tIns="45718" rIns="91436" bIns="45718" rtlCol="0">
+            <a:spAutoFit/>
+          </a:bodyPr>
+          <a:lstStyle/>
+          <a:p>
+            <a:endParaRPr lang="en-US" sz="2000" b="1" dirty="0" smtClean="0">
+              <a:solidFill>
+                <a:srgbClr val="4F81BD"/>
+              </a:solidFill>
+              <a:latin typeface="Courier New"/>
+              <a:cs typeface="Courier New"/>
+            </a:endParaRPr>
+          </a:p>
+        </p:txBody>
+      </p:sp>
+      <p:sp>
+        <p:nvSpPr>
+          <p:cNvPr id="117" name="TextBox 116"/>
+          <p:cNvSpPr txBox="1"/>
+          <p:nvPr/>
+        </p:nvSpPr>
+        <p:spPr>
+          <a:xfrm>
+            <a:off x="23375174" y="13961266"/>
+            <a:ext cx="5148742" cy="400105"/>
+          </a:xfrm>
+          <a:prstGeom prst="rect">
+            <a:avLst/>
+          </a:prstGeom>
+          <a:solidFill>
+            <a:schemeClr val="tx1"/>
+          </a:solidFill>
+        </p:spPr>
+        <p:txBody>
+          <a:bodyPr wrap="square" lIns="91436" tIns="45718" rIns="91436" bIns="45718" rtlCol="0">
+            <a:spAutoFit/>
+          </a:bodyPr>
+          <a:lstStyle/>
+          <a:p>
+            <a:endParaRPr lang="en-US" sz="2000" b="1" dirty="0" smtClean="0">
+              <a:solidFill>
+                <a:srgbClr val="4F81BD"/>
+              </a:solidFill>
+              <a:latin typeface="Courier New"/>
+              <a:cs typeface="Courier New"/>
+            </a:endParaRPr>
+          </a:p>
+        </p:txBody>
+      </p:sp>
+      <p:sp>
+        <p:nvSpPr>
+          <p:cNvPr id="118" name="TextBox 117"/>
+          <p:cNvSpPr txBox="1"/>
+          <p:nvPr/>
+        </p:nvSpPr>
+        <p:spPr>
+          <a:xfrm>
+            <a:off x="31224349" y="13961266"/>
+            <a:ext cx="4020006" cy="400105"/>
+          </a:xfrm>
+          <a:prstGeom prst="rect">
+            <a:avLst/>
+          </a:prstGeom>
+          <a:solidFill>
+            <a:schemeClr val="tx1"/>
+          </a:solidFill>
+        </p:spPr>
+        <p:txBody>
+          <a:bodyPr wrap="square" lIns="91436" tIns="45718" rIns="91436" bIns="45718" rtlCol="0">
+            <a:spAutoFit/>
+          </a:bodyPr>
+          <a:lstStyle/>
+          <a:p>
+            <a:endParaRPr lang="en-US" sz="2000" b="1" dirty="0" smtClean="0">
+              <a:solidFill>
+                <a:srgbClr val="4F81BD"/>
+              </a:solidFill>
+              <a:latin typeface="Courier New"/>
+              <a:cs typeface="Courier New"/>
+            </a:endParaRPr>
+          </a:p>
+        </p:txBody>
+      </p:sp>
+      <p:sp>
+        <p:nvSpPr>
+          <p:cNvPr id="119" name="TextBox 118"/>
+          <p:cNvSpPr txBox="1"/>
+          <p:nvPr/>
+        </p:nvSpPr>
+        <p:spPr>
+          <a:xfrm>
+            <a:off x="4588677" y="13933646"/>
+            <a:ext cx="4532703" cy="1323435"/>
+          </a:xfrm>
+          <a:prstGeom prst="rect">
+            <a:avLst/>
+          </a:prstGeom>
+          <a:noFill/>
+        </p:spPr>
+        <p:txBody>
+          <a:bodyPr wrap="none" lIns="91436" tIns="45718" rIns="91436" bIns="45718" rtlCol="0">
+            <a:spAutoFit/>
+          </a:bodyPr>
+          <a:lstStyle/>
+          <a:p>
+            <a:pPr algn="ctr"/>
+            <a:r>
+              <a:rPr lang="en-US" sz="8000" b="1" dirty="0" smtClean="0">
+                <a:latin typeface="Courier New"/>
+                <a:cs typeface="Courier New"/>
+              </a:rPr>
+              <a:t>Anchors</a:t>
+            </a:r>
+            <a:endParaRPr lang="en-US" sz="8000" b="1" dirty="0" smtClean="0">
+              <a:latin typeface="Courier New"/>
+              <a:cs typeface="Courier New"/>
+            </a:endParaRPr>
+          </a:p>
+        </p:txBody>
+      </p:sp>
+      <p:sp>
+        <p:nvSpPr>
+          <p:cNvPr id="120" name="TextBox 119"/>
+          <p:cNvSpPr txBox="1"/>
+          <p:nvPr/>
+        </p:nvSpPr>
+        <p:spPr>
+          <a:xfrm>
+            <a:off x="31096836" y="15057028"/>
+            <a:ext cx="3026813" cy="400105"/>
+          </a:xfrm>
+          <a:prstGeom prst="rect">
+            <a:avLst/>
+          </a:prstGeom>
+          <a:solidFill>
+            <a:schemeClr val="tx1"/>
+          </a:solidFill>
+        </p:spPr>
+        <p:txBody>
+          <a:bodyPr wrap="square" lIns="91436" tIns="45718" rIns="91436" bIns="45718" rtlCol="0">
+            <a:spAutoFit/>
+          </a:bodyPr>
+          <a:lstStyle/>
+          <a:p>
+            <a:endParaRPr lang="en-US" sz="2000" b="1" dirty="0" smtClean="0">
+              <a:solidFill>
+                <a:srgbClr val="4F81BD"/>
+              </a:solidFill>
               <a:latin typeface="Courier New"/>
               <a:cs typeface="Courier New"/>
             </a:endParaRPr>
